--- a/11-15 rounds/Speed Shoot With Extra Steps - 12 rounds - Comstock/Speed Shoot With Extra Steps.pptx
+++ b/11-15 rounds/Speed Shoot With Extra Steps - 12 rounds - Comstock/Speed Shoot With Extra Steps.pptx
@@ -259,7 +259,7 @@
               <a:pPr>
                 <a:defRPr/>
               </a:pPr>
-              <a:t>12/13/2019</a:t>
+              <a:t>12/16/2019</a:t>
             </a:fld>
             <a:endParaRPr lang="en-US"/>
           </a:p>
@@ -4160,7 +4160,7 @@
           <p:nvPr>
             <p:extLst>
               <p:ext uri="{D42A27DB-BD31-4B8C-83A1-F6EECF244321}">
-                <p14:modId xmlns:p14="http://schemas.microsoft.com/office/powerpoint/2010/main" val="4031456393"/>
+                <p14:modId xmlns:p14="http://schemas.microsoft.com/office/powerpoint/2010/main" val="3859956803"/>
               </p:ext>
             </p:extLst>
           </p:nvPr>
@@ -4848,7 +4848,7 @@
                           <a:ea typeface="ＭＳ Ｐゴシック" pitchFamily="-112" charset="-128"/>
                           <a:cs typeface="Times New Roman" pitchFamily="-112" charset="0"/>
                         </a:rPr>
-                        <a:t>SCORING:                Comstock, 12 rounds</a:t>
+                        <a:t>SCORING:                Comstock, 11 rounds</a:t>
                       </a:r>
                     </a:p>
                     <a:p>
@@ -4881,7 +4881,7 @@
                           <a:ea typeface="ＭＳ Ｐゴシック" pitchFamily="-112" charset="-128"/>
                           <a:cs typeface="Times New Roman" pitchFamily="-112" charset="0"/>
                         </a:rPr>
-                        <a:t>TARGETS:	         5 paper, 4 Steel</a:t>
+                        <a:t>TARGETS:	         4 paper, 3 Steel</a:t>
                       </a:r>
                     </a:p>
                     <a:p>
@@ -4982,7 +4982,7 @@
                           <a:ea typeface="ＭＳ Ｐゴシック" pitchFamily="-112" charset="-128"/>
                           <a:cs typeface="Times New Roman" pitchFamily="-112" charset="0"/>
                         </a:rPr>
-                        <a:t>RULES: swingers/max trap must be activated before being engaged. Max trap is disappearing</a:t>
+                        <a:t>RULES: swingers/max trap must be activated before being engaged. Max trap is not disappearing</a:t>
                       </a:r>
                     </a:p>
                   </a:txBody>
@@ -5260,10 +5260,10 @@
       </p:pic>
       <p:pic>
         <p:nvPicPr>
-          <p:cNvPr id="5" name="Picture 4">
+          <p:cNvPr id="2" name="Picture 1">
             <a:extLst>
               <a:ext uri="{FF2B5EF4-FFF2-40B4-BE49-F238E27FC236}">
-                <a16:creationId xmlns:a16="http://schemas.microsoft.com/office/drawing/2014/main" id="{2C3A4B6B-AA94-47DC-B2A7-BCD37DB80743}"/>
+                <a16:creationId xmlns:a16="http://schemas.microsoft.com/office/drawing/2014/main" id="{D6E91192-D54E-47BA-8F71-ADEF143D29CA}"/>
               </a:ext>
             </a:extLst>
           </p:cNvPr>
@@ -5280,8 +5280,8 @@
         </p:blipFill>
         <p:spPr>
           <a:xfrm>
-            <a:off x="531947" y="3329465"/>
-            <a:ext cx="6251306" cy="6005116"/>
+            <a:off x="610072" y="3445015"/>
+            <a:ext cx="6095055" cy="5774017"/>
           </a:xfrm>
           <a:prstGeom prst="rect">
             <a:avLst/>
@@ -5328,7 +5328,7 @@
         <p:spPr>
           <a:xfrm>
             <a:off x="341832" y="384561"/>
-            <a:ext cx="6699903" cy="6740307"/>
+            <a:ext cx="6699903" cy="6186309"/>
           </a:xfrm>
           <a:prstGeom prst="rect">
             <a:avLst/>
@@ -5366,7 +5366,7 @@
           <a:p>
             <a:r>
               <a:rPr lang="en-US" dirty="0"/>
-              <a:t>Mini poppers are designated MP1-4. MP2 activates the left swinger and MP2 activates the right swinger. MP4, at the back, activates the max trap. The swingers must be activated before they can be engaged. The max trap must also be activated before it can be engaged. The max trap is a disappearing target. Please check all the activators before walk through, and set them the same way every time.</a:t>
+              <a:t>The swingers must be activated before they can be engaged. The max trap must also be activated before it can be engaged. The max trap is not a disappearing target. Please check all the activators before walk through, and set them the same way every time.</a:t>
             </a:r>
           </a:p>
           <a:p>
